--- a/Clase1/Presentación.pptx
+++ b/Clase1/Presentación.pptx
@@ -3837,8 +3837,12 @@
           <a:lstStyle/>
           <a:p>
             <a:r>
-              <a:rPr lang="es-ES" dirty="0" smtClean="0"/>
-              <a:t>Semana 2</a:t>
+              <a:rPr lang="es-ES" smtClean="0"/>
+              <a:t>Semana </a:t>
+            </a:r>
+            <a:r>
+              <a:rPr lang="es-ES" smtClean="0"/>
+              <a:t>1</a:t>
             </a:r>
             <a:endParaRPr lang="es-CO" dirty="0"/>
           </a:p>
@@ -7350,11 +7354,7 @@
           <a:p>
             <a:r>
               <a:rPr lang="es-ES" dirty="0" smtClean="0"/>
-              <a:t>¿Cuál es la dirección de subred</a:t>
-            </a:r>
-            <a:r>
-              <a:rPr lang="es-ES" dirty="0" smtClean="0"/>
-              <a:t>?</a:t>
+              <a:t>¿Cuál es la dirección de subred?</a:t>
             </a:r>
             <a:endParaRPr lang="es-CO" dirty="0"/>
           </a:p>
@@ -8823,11 +8823,7 @@
           <a:p>
             <a:r>
               <a:rPr lang="es-ES" sz="2400" dirty="0" smtClean="0"/>
-              <a:t>El </a:t>
-            </a:r>
-            <a:r>
-              <a:rPr lang="es-ES" sz="2400" dirty="0" smtClean="0"/>
-              <a:t>hilo tiene que reportar a la interfaz cada vez que encuentre un host</a:t>
+              <a:t>El hilo tiene que reportar a la interfaz cada vez que encuentre un host</a:t>
             </a:r>
             <a:endParaRPr lang="es-CO" sz="2400" dirty="0" smtClean="0"/>
           </a:p>

--- a/Clase1/Presentación.pptx
+++ b/Clase1/Presentación.pptx
@@ -24,9 +24,7 @@
     <p:sldId id="274" r:id="rId18"/>
     <p:sldId id="275" r:id="rId19"/>
     <p:sldId id="276" r:id="rId20"/>
-    <p:sldId id="277" r:id="rId21"/>
-    <p:sldId id="278" r:id="rId22"/>
-    <p:sldId id="288" r:id="rId23"/>
+    <p:sldId id="288" r:id="rId21"/>
   </p:sldIdLst>
   <p:sldSz cx="12192000" cy="6858000"/>
   <p:notesSz cx="6858000" cy="9144000"/>
@@ -359,7 +357,7 @@
           <a:p>
             <a:fld id="{AAE5428F-4F43-4132-90EE-793D4105280B}" type="datetimeFigureOut">
               <a:rPr lang="es-CO" smtClean="0"/>
-              <a:t>1/08/2019</a:t>
+              <a:t>6/08/2019</a:t>
             </a:fld>
             <a:endParaRPr lang="es-CO"/>
           </a:p>
@@ -567,7 +565,7 @@
           <a:p>
             <a:fld id="{AAE5428F-4F43-4132-90EE-793D4105280B}" type="datetimeFigureOut">
               <a:rPr lang="es-CO" smtClean="0"/>
-              <a:t>1/08/2019</a:t>
+              <a:t>6/08/2019</a:t>
             </a:fld>
             <a:endParaRPr lang="es-CO"/>
           </a:p>
@@ -823,7 +821,7 @@
           <a:p>
             <a:fld id="{AAE5428F-4F43-4132-90EE-793D4105280B}" type="datetimeFigureOut">
               <a:rPr lang="es-CO" smtClean="0"/>
-              <a:t>1/08/2019</a:t>
+              <a:t>6/08/2019</a:t>
             </a:fld>
             <a:endParaRPr lang="es-CO"/>
           </a:p>
@@ -993,7 +991,7 @@
           <a:p>
             <a:fld id="{AAE5428F-4F43-4132-90EE-793D4105280B}" type="datetimeFigureOut">
               <a:rPr lang="es-CO" smtClean="0"/>
-              <a:t>1/08/2019</a:t>
+              <a:t>6/08/2019</a:t>
             </a:fld>
             <a:endParaRPr lang="es-CO"/>
           </a:p>
@@ -1336,7 +1334,7 @@
           <a:p>
             <a:fld id="{AAE5428F-4F43-4132-90EE-793D4105280B}" type="datetimeFigureOut">
               <a:rPr lang="es-CO" smtClean="0"/>
-              <a:t>1/08/2019</a:t>
+              <a:t>6/08/2019</a:t>
             </a:fld>
             <a:endParaRPr lang="es-CO"/>
           </a:p>
@@ -1611,7 +1609,7 @@
           <a:p>
             <a:fld id="{AAE5428F-4F43-4132-90EE-793D4105280B}" type="datetimeFigureOut">
               <a:rPr lang="es-CO" smtClean="0"/>
-              <a:t>1/08/2019</a:t>
+              <a:t>6/08/2019</a:t>
             </a:fld>
             <a:endParaRPr lang="es-CO"/>
           </a:p>
@@ -1990,7 +1988,7 @@
           <a:p>
             <a:fld id="{AAE5428F-4F43-4132-90EE-793D4105280B}" type="datetimeFigureOut">
               <a:rPr lang="es-CO" smtClean="0"/>
-              <a:t>1/08/2019</a:t>
+              <a:t>6/08/2019</a:t>
             </a:fld>
             <a:endParaRPr lang="es-CO"/>
           </a:p>
@@ -2108,7 +2106,7 @@
           <a:p>
             <a:fld id="{AAE5428F-4F43-4132-90EE-793D4105280B}" type="datetimeFigureOut">
               <a:rPr lang="es-CO" smtClean="0"/>
-              <a:t>1/08/2019</a:t>
+              <a:t>6/08/2019</a:t>
             </a:fld>
             <a:endParaRPr lang="es-CO"/>
           </a:p>
@@ -2279,7 +2277,7 @@
           <a:p>
             <a:fld id="{AAE5428F-4F43-4132-90EE-793D4105280B}" type="datetimeFigureOut">
               <a:rPr lang="es-CO" smtClean="0"/>
-              <a:t>1/08/2019</a:t>
+              <a:t>6/08/2019</a:t>
             </a:fld>
             <a:endParaRPr lang="es-CO"/>
           </a:p>
@@ -2633,7 +2631,7 @@
           <a:p>
             <a:fld id="{AAE5428F-4F43-4132-90EE-793D4105280B}" type="datetimeFigureOut">
               <a:rPr lang="es-CO" smtClean="0"/>
-              <a:t>1/08/2019</a:t>
+              <a:t>6/08/2019</a:t>
             </a:fld>
             <a:endParaRPr lang="es-CO"/>
           </a:p>
@@ -3010,7 +3008,7 @@
           <a:p>
             <a:fld id="{AAE5428F-4F43-4132-90EE-793D4105280B}" type="datetimeFigureOut">
               <a:rPr lang="es-CO" smtClean="0"/>
-              <a:t>1/08/2019</a:t>
+              <a:t>6/08/2019</a:t>
             </a:fld>
             <a:endParaRPr lang="es-CO"/>
           </a:p>
@@ -3297,7 +3295,7 @@
           <a:p>
             <a:fld id="{AAE5428F-4F43-4132-90EE-793D4105280B}" type="datetimeFigureOut">
               <a:rPr lang="es-CO" smtClean="0"/>
-              <a:t>1/08/2019</a:t>
+              <a:t>6/08/2019</a:t>
             </a:fld>
             <a:endParaRPr lang="es-CO"/>
           </a:p>
@@ -3838,11 +3836,7 @@
           <a:p>
             <a:r>
               <a:rPr lang="es-ES" smtClean="0"/>
-              <a:t>Semana </a:t>
-            </a:r>
-            <a:r>
-              <a:rPr lang="es-ES" smtClean="0"/>
-              <a:t>1</a:t>
+              <a:t>Semana 1</a:t>
             </a:r>
             <a:endParaRPr lang="es-CO" dirty="0"/>
           </a:p>
@@ -8651,237 +8645,6 @@
 </file>
 
 <file path=ppt/slides/slide20.xml><?xml version="1.0" encoding="utf-8"?>
-<p:sld xmlns:a="http://schemas.openxmlformats.org/drawingml/2006/main" xmlns:r="http://schemas.openxmlformats.org/officeDocument/2006/relationships" xmlns:p="http://schemas.openxmlformats.org/presentationml/2006/main">
-  <p:cSld>
-    <p:spTree>
-      <p:nvGrpSpPr>
-        <p:cNvPr id="1" name=""/>
-        <p:cNvGrpSpPr/>
-        <p:nvPr/>
-      </p:nvGrpSpPr>
-      <p:grpSpPr>
-        <a:xfrm>
-          <a:off x="0" y="0"/>
-          <a:ext cx="0" cy="0"/>
-          <a:chOff x="0" y="0"/>
-          <a:chExt cx="0" cy="0"/>
-        </a:xfrm>
-      </p:grpSpPr>
-      <p:sp>
-        <p:nvSpPr>
-          <p:cNvPr id="2" name="Título 1"/>
-          <p:cNvSpPr>
-            <a:spLocks noGrp="1"/>
-          </p:cNvSpPr>
-          <p:nvPr>
-            <p:ph type="ctrTitle"/>
-          </p:nvPr>
-        </p:nvSpPr>
-        <p:spPr/>
-        <p:txBody>
-          <a:bodyPr/>
-          <a:lstStyle/>
-          <a:p>
-            <a:r>
-              <a:rPr lang="es-ES" dirty="0" smtClean="0"/>
-              <a:t>Ejercicio de clase</a:t>
-            </a:r>
-            <a:endParaRPr lang="es-CO" dirty="0"/>
-          </a:p>
-        </p:txBody>
-      </p:sp>
-      <p:sp>
-        <p:nvSpPr>
-          <p:cNvPr id="3" name="Subtítulo 2"/>
-          <p:cNvSpPr>
-            <a:spLocks noGrp="1"/>
-          </p:cNvSpPr>
-          <p:nvPr>
-            <p:ph type="subTitle" idx="1"/>
-          </p:nvPr>
-        </p:nvSpPr>
-        <p:spPr/>
-        <p:txBody>
-          <a:bodyPr>
-            <a:normAutofit/>
-          </a:bodyPr>
-          <a:lstStyle/>
-          <a:p>
-            <a:endParaRPr lang="es-CO" dirty="0"/>
-          </a:p>
-        </p:txBody>
-      </p:sp>
-    </p:spTree>
-    <p:extLst>
-      <p:ext uri="{BB962C8B-B14F-4D97-AF65-F5344CB8AC3E}">
-        <p14:creationId xmlns:p14="http://schemas.microsoft.com/office/powerpoint/2010/main" val="1415817629"/>
-      </p:ext>
-    </p:extLst>
-  </p:cSld>
-  <p:clrMapOvr>
-    <a:masterClrMapping/>
-  </p:clrMapOvr>
-  <p:timing>
-    <p:tnLst>
-      <p:par>
-        <p:cTn id="1" dur="indefinite" restart="never" nodeType="tmRoot"/>
-      </p:par>
-    </p:tnLst>
-  </p:timing>
-</p:sld>
-</file>
-
-<file path=ppt/slides/slide21.xml><?xml version="1.0" encoding="utf-8"?>
-<p:sld xmlns:a="http://schemas.openxmlformats.org/drawingml/2006/main" xmlns:r="http://schemas.openxmlformats.org/officeDocument/2006/relationships" xmlns:p="http://schemas.openxmlformats.org/presentationml/2006/main">
-  <p:cSld>
-    <p:spTree>
-      <p:nvGrpSpPr>
-        <p:cNvPr id="1" name=""/>
-        <p:cNvGrpSpPr/>
-        <p:nvPr/>
-      </p:nvGrpSpPr>
-      <p:grpSpPr>
-        <a:xfrm>
-          <a:off x="0" y="0"/>
-          <a:ext cx="0" cy="0"/>
-          <a:chOff x="0" y="0"/>
-          <a:chExt cx="0" cy="0"/>
-        </a:xfrm>
-      </p:grpSpPr>
-      <p:sp>
-        <p:nvSpPr>
-          <p:cNvPr id="2" name="Título 1"/>
-          <p:cNvSpPr>
-            <a:spLocks noGrp="1"/>
-          </p:cNvSpPr>
-          <p:nvPr>
-            <p:ph type="title"/>
-          </p:nvPr>
-        </p:nvSpPr>
-        <p:spPr/>
-        <p:txBody>
-          <a:bodyPr/>
-          <a:lstStyle/>
-          <a:p>
-            <a:r>
-              <a:rPr lang="es-ES" dirty="0" smtClean="0"/>
-              <a:t>Ejercicio</a:t>
-            </a:r>
-            <a:endParaRPr lang="es-CO" dirty="0"/>
-          </a:p>
-        </p:txBody>
-      </p:sp>
-      <p:sp>
-        <p:nvSpPr>
-          <p:cNvPr id="3" name="Marcador de contenido 2"/>
-          <p:cNvSpPr>
-            <a:spLocks noGrp="1"/>
-          </p:cNvSpPr>
-          <p:nvPr>
-            <p:ph idx="1"/>
-          </p:nvPr>
-        </p:nvSpPr>
-        <p:spPr>
-          <a:xfrm>
-            <a:off x="1097280" y="1845734"/>
-            <a:ext cx="5938787" cy="4023360"/>
-          </a:xfrm>
-        </p:spPr>
-        <p:txBody>
-          <a:bodyPr/>
-          <a:lstStyle/>
-          <a:p>
-            <a:r>
-              <a:rPr lang="es-CO" sz="2400" dirty="0"/>
-              <a:t>Desarrollar un programa en JAVA que permita obtener una lista de las direcciones IP que están siendo utilizadas en la subred a</a:t>
-            </a:r>
-            <a:r>
-              <a:rPr lang="es-CO" sz="2400" dirty="0" smtClean="0"/>
-              <a:t> </a:t>
-            </a:r>
-            <a:r>
-              <a:rPr lang="es-CO" sz="2400" dirty="0"/>
-              <a:t>la que estamos conectados</a:t>
-            </a:r>
-            <a:r>
-              <a:rPr lang="es-CO" sz="2400" dirty="0" smtClean="0"/>
-              <a:t>.</a:t>
-            </a:r>
-          </a:p>
-          <a:p>
-            <a:endParaRPr lang="es-ES" sz="2400" dirty="0"/>
-          </a:p>
-          <a:p>
-            <a:r>
-              <a:rPr lang="es-ES" sz="2400" dirty="0" smtClean="0"/>
-              <a:t>El programa consta de un hilo buscador. </a:t>
-            </a:r>
-          </a:p>
-          <a:p>
-            <a:endParaRPr lang="es-ES" sz="2400" dirty="0"/>
-          </a:p>
-          <a:p>
-            <a:r>
-              <a:rPr lang="es-ES" sz="2400" dirty="0" smtClean="0"/>
-              <a:t>El hilo tiene que reportar a la interfaz cada vez que encuentre un host</a:t>
-            </a:r>
-            <a:endParaRPr lang="es-CO" sz="2400" dirty="0" smtClean="0"/>
-          </a:p>
-          <a:p>
-            <a:endParaRPr lang="es-CO" dirty="0"/>
-          </a:p>
-        </p:txBody>
-      </p:sp>
-      <p:pic>
-        <p:nvPicPr>
-          <p:cNvPr id="4" name="Imagen 3"/>
-          <p:cNvPicPr/>
-          <p:nvPr/>
-        </p:nvPicPr>
-        <p:blipFill rotWithShape="1">
-          <a:blip r:embed="rId2"/>
-          <a:srcRect l="18443" t="26353" r="26454" b="27781"/>
-          <a:stretch/>
-        </p:blipFill>
-        <p:spPr bwMode="auto">
-          <a:xfrm>
-            <a:off x="7036067" y="2618472"/>
-            <a:ext cx="4953918" cy="2319288"/>
-          </a:xfrm>
-          <a:prstGeom prst="rect">
-            <a:avLst/>
-          </a:prstGeom>
-          <a:ln>
-            <a:noFill/>
-          </a:ln>
-          <a:extLst>
-            <a:ext uri="{53640926-AAD7-44D8-BBD7-CCE9431645EC}">
-              <a14:shadowObscured xmlns:a14="http://schemas.microsoft.com/office/drawing/2010/main"/>
-            </a:ext>
-          </a:extLst>
-        </p:spPr>
-      </p:pic>
-    </p:spTree>
-    <p:extLst>
-      <p:ext uri="{BB962C8B-B14F-4D97-AF65-F5344CB8AC3E}">
-        <p14:creationId xmlns:p14="http://schemas.microsoft.com/office/powerpoint/2010/main" val="1952401645"/>
-      </p:ext>
-    </p:extLst>
-  </p:cSld>
-  <p:clrMapOvr>
-    <a:masterClrMapping/>
-  </p:clrMapOvr>
-  <p:timing>
-    <p:tnLst>
-      <p:par>
-        <p:cTn id="1" dur="indefinite" restart="never" nodeType="tmRoot"/>
-      </p:par>
-    </p:tnLst>
-  </p:timing>
-</p:sld>
-</file>
-
-<file path=ppt/slides/slide22.xml><?xml version="1.0" encoding="utf-8"?>
 <p:sld xmlns:a="http://schemas.openxmlformats.org/drawingml/2006/main" xmlns:r="http://schemas.openxmlformats.org/officeDocument/2006/relationships" xmlns:p="http://schemas.openxmlformats.org/presentationml/2006/main">
   <p:cSld>
     <p:spTree>
